--- a/midas/midas_pres.pptx
+++ b/midas/midas_pres.pptx
@@ -9,10 +9,12 @@
     <p:sldId id="262" r:id="rId3"/>
     <p:sldId id="258" r:id="rId4"/>
     <p:sldId id="257" r:id="rId5"/>
-    <p:sldId id="263" r:id="rId6"/>
-    <p:sldId id="261" r:id="rId7"/>
-    <p:sldId id="259" r:id="rId8"/>
-    <p:sldId id="260" r:id="rId9"/>
+    <p:sldId id="264" r:id="rId6"/>
+    <p:sldId id="263" r:id="rId7"/>
+    <p:sldId id="265" r:id="rId8"/>
+    <p:sldId id="261" r:id="rId9"/>
+    <p:sldId id="259" r:id="rId10"/>
+    <p:sldId id="260" r:id="rId11"/>
   </p:sldIdLst>
   <p:sldSz cx="9144000" cy="6858000" type="screen4x3"/>
   <p:notesSz cx="6858000" cy="9144000"/>
@@ -295,6 +297,7 @@
           <a:p>
             <a:fld id="{F6A83960-A30F-714F-B8F8-5E2F654E9B45}" type="datetimeFigureOut">
               <a:rPr lang="en-GB" smtClean="0"/>
+              <a:pPr/>
               <a:t>5/26/14</a:t>
             </a:fld>
             <a:endParaRPr lang="en-GB"/>
@@ -337,6 +340,7 @@
           <a:p>
             <a:fld id="{80E448AD-358F-9348-AC90-D7FAA622CDB7}" type="slidenum">
               <a:rPr lang="en-GB" smtClean="0"/>
+              <a:pPr/>
               <a:t>‹#›</a:t>
             </a:fld>
             <a:endParaRPr lang="en-GB"/>
@@ -460,6 +464,7 @@
           <a:p>
             <a:fld id="{F6A83960-A30F-714F-B8F8-5E2F654E9B45}" type="datetimeFigureOut">
               <a:rPr lang="en-GB" smtClean="0"/>
+              <a:pPr/>
               <a:t>5/26/14</a:t>
             </a:fld>
             <a:endParaRPr lang="en-GB"/>
@@ -502,6 +507,7 @@
           <a:p>
             <a:fld id="{80E448AD-358F-9348-AC90-D7FAA622CDB7}" type="slidenum">
               <a:rPr lang="en-GB" smtClean="0"/>
+              <a:pPr/>
               <a:t>‹#›</a:t>
             </a:fld>
             <a:endParaRPr lang="en-GB"/>
@@ -635,6 +641,7 @@
           <a:p>
             <a:fld id="{F6A83960-A30F-714F-B8F8-5E2F654E9B45}" type="datetimeFigureOut">
               <a:rPr lang="en-GB" smtClean="0"/>
+              <a:pPr/>
               <a:t>5/26/14</a:t>
             </a:fld>
             <a:endParaRPr lang="en-GB"/>
@@ -677,6 +684,7 @@
           <a:p>
             <a:fld id="{80E448AD-358F-9348-AC90-D7FAA622CDB7}" type="slidenum">
               <a:rPr lang="en-GB" smtClean="0"/>
+              <a:pPr/>
               <a:t>‹#›</a:t>
             </a:fld>
             <a:endParaRPr lang="en-GB"/>
@@ -800,6 +808,7 @@
           <a:p>
             <a:fld id="{F6A83960-A30F-714F-B8F8-5E2F654E9B45}" type="datetimeFigureOut">
               <a:rPr lang="en-GB" smtClean="0"/>
+              <a:pPr/>
               <a:t>5/26/14</a:t>
             </a:fld>
             <a:endParaRPr lang="en-GB"/>
@@ -842,6 +851,7 @@
           <a:p>
             <a:fld id="{80E448AD-358F-9348-AC90-D7FAA622CDB7}" type="slidenum">
               <a:rPr lang="en-GB" smtClean="0"/>
+              <a:pPr/>
               <a:t>‹#›</a:t>
             </a:fld>
             <a:endParaRPr lang="en-GB"/>
@@ -1041,6 +1051,7 @@
           <a:p>
             <a:fld id="{F6A83960-A30F-714F-B8F8-5E2F654E9B45}" type="datetimeFigureOut">
               <a:rPr lang="en-GB" smtClean="0"/>
+              <a:pPr/>
               <a:t>5/26/14</a:t>
             </a:fld>
             <a:endParaRPr lang="en-GB"/>
@@ -1083,6 +1094,7 @@
           <a:p>
             <a:fld id="{80E448AD-358F-9348-AC90-D7FAA622CDB7}" type="slidenum">
               <a:rPr lang="en-GB" smtClean="0"/>
+              <a:pPr/>
               <a:t>‹#›</a:t>
             </a:fld>
             <a:endParaRPr lang="en-GB"/>
@@ -1324,6 +1336,7 @@
           <a:p>
             <a:fld id="{F6A83960-A30F-714F-B8F8-5E2F654E9B45}" type="datetimeFigureOut">
               <a:rPr lang="en-GB" smtClean="0"/>
+              <a:pPr/>
               <a:t>5/26/14</a:t>
             </a:fld>
             <a:endParaRPr lang="en-GB"/>
@@ -1366,6 +1379,7 @@
           <a:p>
             <a:fld id="{80E448AD-358F-9348-AC90-D7FAA622CDB7}" type="slidenum">
               <a:rPr lang="en-GB" smtClean="0"/>
+              <a:pPr/>
               <a:t>‹#›</a:t>
             </a:fld>
             <a:endParaRPr lang="en-GB"/>
@@ -1741,6 +1755,7 @@
           <a:p>
             <a:fld id="{F6A83960-A30F-714F-B8F8-5E2F654E9B45}" type="datetimeFigureOut">
               <a:rPr lang="en-GB" smtClean="0"/>
+              <a:pPr/>
               <a:t>5/26/14</a:t>
             </a:fld>
             <a:endParaRPr lang="en-GB"/>
@@ -1783,6 +1798,7 @@
           <a:p>
             <a:fld id="{80E448AD-358F-9348-AC90-D7FAA622CDB7}" type="slidenum">
               <a:rPr lang="en-GB" smtClean="0"/>
+              <a:pPr/>
               <a:t>‹#›</a:t>
             </a:fld>
             <a:endParaRPr lang="en-GB"/>
@@ -1854,6 +1870,7 @@
           <a:p>
             <a:fld id="{F6A83960-A30F-714F-B8F8-5E2F654E9B45}" type="datetimeFigureOut">
               <a:rPr lang="en-GB" smtClean="0"/>
+              <a:pPr/>
               <a:t>5/26/14</a:t>
             </a:fld>
             <a:endParaRPr lang="en-GB"/>
@@ -1896,6 +1913,7 @@
           <a:p>
             <a:fld id="{80E448AD-358F-9348-AC90-D7FAA622CDB7}" type="slidenum">
               <a:rPr lang="en-GB" smtClean="0"/>
+              <a:pPr/>
               <a:t>‹#›</a:t>
             </a:fld>
             <a:endParaRPr lang="en-GB"/>
@@ -1944,6 +1962,7 @@
           <a:p>
             <a:fld id="{F6A83960-A30F-714F-B8F8-5E2F654E9B45}" type="datetimeFigureOut">
               <a:rPr lang="en-GB" smtClean="0"/>
+              <a:pPr/>
               <a:t>5/26/14</a:t>
             </a:fld>
             <a:endParaRPr lang="en-GB"/>
@@ -1986,6 +2005,7 @@
           <a:p>
             <a:fld id="{80E448AD-358F-9348-AC90-D7FAA622CDB7}" type="slidenum">
               <a:rPr lang="en-GB" smtClean="0"/>
+              <a:pPr/>
               <a:t>‹#›</a:t>
             </a:fld>
             <a:endParaRPr lang="en-GB"/>
@@ -2216,6 +2236,7 @@
           <a:p>
             <a:fld id="{F6A83960-A30F-714F-B8F8-5E2F654E9B45}" type="datetimeFigureOut">
               <a:rPr lang="en-GB" smtClean="0"/>
+              <a:pPr/>
               <a:t>5/26/14</a:t>
             </a:fld>
             <a:endParaRPr lang="en-GB"/>
@@ -2258,6 +2279,7 @@
           <a:p>
             <a:fld id="{80E448AD-358F-9348-AC90-D7FAA622CDB7}" type="slidenum">
               <a:rPr lang="en-GB" smtClean="0"/>
+              <a:pPr/>
               <a:t>‹#›</a:t>
             </a:fld>
             <a:endParaRPr lang="en-GB"/>
@@ -2464,6 +2486,7 @@
           <a:p>
             <a:fld id="{F6A83960-A30F-714F-B8F8-5E2F654E9B45}" type="datetimeFigureOut">
               <a:rPr lang="en-GB" smtClean="0"/>
+              <a:pPr/>
               <a:t>5/26/14</a:t>
             </a:fld>
             <a:endParaRPr lang="en-GB"/>
@@ -2506,6 +2529,7 @@
           <a:p>
             <a:fld id="{80E448AD-358F-9348-AC90-D7FAA622CDB7}" type="slidenum">
               <a:rPr lang="en-GB" smtClean="0"/>
+              <a:pPr/>
               <a:t>‹#›</a:t>
             </a:fld>
             <a:endParaRPr lang="en-GB"/>
@@ -2672,6 +2696,7 @@
           <a:p>
             <a:fld id="{F6A83960-A30F-714F-B8F8-5E2F654E9B45}" type="datetimeFigureOut">
               <a:rPr lang="en-GB" smtClean="0"/>
+              <a:pPr/>
               <a:t>5/26/14</a:t>
             </a:fld>
             <a:endParaRPr lang="en-GB"/>
@@ -2750,6 +2775,7 @@
           <a:p>
             <a:fld id="{80E448AD-358F-9348-AC90-D7FAA622CDB7}" type="slidenum">
               <a:rPr lang="en-GB" smtClean="0"/>
+              <a:pPr/>
               <a:t>‹#›</a:t>
             </a:fld>
             <a:endParaRPr lang="en-GB"/>
@@ -3108,6 +3134,76 @@
 </p:sld>
 </file>
 
+<file path=ppt/slides/slide10.xml><?xml version="1.0" encoding="utf-8"?>
+<p:sld xmlns:a="http://schemas.openxmlformats.org/drawingml/2006/main" xmlns:r="http://schemas.openxmlformats.org/officeDocument/2006/relationships" xmlns:mc="http://schemas.openxmlformats.org/markup-compatibility/2006" xmlns:mv="urn:schemas-microsoft-com:mac:vml" xmlns:p="http://schemas.openxmlformats.org/presentationml/2006/main" mc:Ignorable="mv" mc:PreserveAttributes="mv:*">
+  <p:cSld>
+    <p:spTree>
+      <p:nvGrpSpPr>
+        <p:cNvPr id="1" name=""/>
+        <p:cNvGrpSpPr/>
+        <p:nvPr/>
+      </p:nvGrpSpPr>
+      <p:grpSpPr>
+        <a:xfrm>
+          <a:off x="0" y="0"/>
+          <a:ext cx="0" cy="0"/>
+          <a:chOff x="0" y="0"/>
+          <a:chExt cx="0" cy="0"/>
+        </a:xfrm>
+      </p:grpSpPr>
+      <p:sp>
+        <p:nvSpPr>
+          <p:cNvPr id="2" name="Title 1"/>
+          <p:cNvSpPr>
+            <a:spLocks noGrp="1"/>
+          </p:cNvSpPr>
+          <p:nvPr>
+            <p:ph type="title"/>
+          </p:nvPr>
+        </p:nvSpPr>
+        <p:spPr/>
+        <p:txBody>
+          <a:bodyPr/>
+          <a:lstStyle/>
+          <a:p>
+            <a:r>
+              <a:rPr lang="en-GB" dirty="0" smtClean="0"/>
+              <a:t>Acknowledgements</a:t>
+            </a:r>
+            <a:endParaRPr lang="en-GB" dirty="0"/>
+          </a:p>
+        </p:txBody>
+      </p:sp>
+      <p:sp>
+        <p:nvSpPr>
+          <p:cNvPr id="3" name="Content Placeholder 2"/>
+          <p:cNvSpPr>
+            <a:spLocks noGrp="1"/>
+          </p:cNvSpPr>
+          <p:nvPr>
+            <p:ph idx="1"/>
+          </p:nvPr>
+        </p:nvSpPr>
+        <p:spPr/>
+        <p:txBody>
+          <a:bodyPr/>
+          <a:lstStyle/>
+          <a:p>
+            <a:endParaRPr lang="en-GB" dirty="0"/>
+          </a:p>
+          <a:p>
+            <a:endParaRPr lang="en-GB" dirty="0"/>
+          </a:p>
+        </p:txBody>
+      </p:sp>
+    </p:spTree>
+  </p:cSld>
+  <p:clrMapOvr>
+    <a:masterClrMapping/>
+  </p:clrMapOvr>
+</p:sld>
+</file>
+
 <file path=ppt/slides/slide2.xml><?xml version="1.0" encoding="utf-8"?>
 <p:sld xmlns:a="http://schemas.openxmlformats.org/drawingml/2006/main" xmlns:r="http://schemas.openxmlformats.org/officeDocument/2006/relationships" xmlns:mc="http://schemas.openxmlformats.org/markup-compatibility/2006" xmlns:mv="urn:schemas-microsoft-com:mac:vml" xmlns:p="http://schemas.openxmlformats.org/presentationml/2006/main" mc:Ignorable="mv" mc:PreserveAttributes="mv:*">
   <p:cSld>
@@ -3165,7 +3261,31 @@
           <a:p>
             <a:r>
               <a:rPr lang="en-GB" dirty="0" smtClean="0"/>
-              <a:t>Develop </a:t>
+              <a:t>Change the World</a:t>
+            </a:r>
+          </a:p>
+          <a:p>
+            <a:r>
+              <a:rPr lang="en-GB" dirty="0" smtClean="0"/>
+              <a:t>Make Robots</a:t>
+            </a:r>
+          </a:p>
+          <a:p>
+            <a:r>
+              <a:rPr lang="en-GB" dirty="0" smtClean="0"/>
+              <a:t>…</a:t>
+            </a:r>
+          </a:p>
+          <a:p>
+            <a:r>
+              <a:rPr lang="en-GB" dirty="0" smtClean="0"/>
+              <a:t>Profit?</a:t>
+            </a:r>
+          </a:p>
+          <a:p>
+            <a:r>
+              <a:rPr lang="en-GB" dirty="0" smtClean="0"/>
+              <a:t> </a:t>
             </a:r>
             <a:endParaRPr lang="en-GB" dirty="0"/>
           </a:p>
@@ -3236,16 +3356,45 @@
           <a:p>
             <a:r>
               <a:rPr lang="en-GB" dirty="0" smtClean="0"/>
-              <a:t>Wireless Body Area Network</a:t>
+              <a:t>Computer Control</a:t>
+            </a:r>
+          </a:p>
+          <a:p>
+            <a:r>
+              <a:rPr lang="en-GB" dirty="0" smtClean="0"/>
+              <a:t>Wireless </a:t>
+            </a:r>
+            <a:r>
+              <a:rPr lang="en-GB" dirty="0" smtClean="0"/>
+              <a:t>Body Area Network</a:t>
             </a:r>
           </a:p>
           <a:p>
             <a:pPr lvl="1"/>
             <a:r>
               <a:rPr lang="en-GB" dirty="0" smtClean="0"/>
-              <a:t>Inertial measurements</a:t>
-            </a:r>
-            <a:endParaRPr lang="en-GB" dirty="0"/>
+              <a:t>Inertial </a:t>
+            </a:r>
+            <a:r>
+              <a:rPr lang="en-GB" dirty="0" smtClean="0"/>
+              <a:t>measurements</a:t>
+            </a:r>
+            <a:endParaRPr lang="en-GB" dirty="0" smtClean="0"/>
+          </a:p>
+          <a:p>
+            <a:r>
+              <a:rPr lang="en-GB" dirty="0" smtClean="0"/>
+              <a:t>Sound</a:t>
+            </a:r>
+          </a:p>
+          <a:p>
+            <a:r>
+              <a:rPr lang="en-GB" dirty="0" smtClean="0"/>
+              <a:t>Sight</a:t>
+            </a:r>
+          </a:p>
+          <a:p>
+            <a:endParaRPr lang="en-GB" dirty="0" smtClean="0"/>
           </a:p>
         </p:txBody>
       </p:sp>
@@ -3291,7 +3440,15 @@
           <a:p>
             <a:r>
               <a:rPr lang="en-GB" dirty="0" smtClean="0"/>
-              <a:t>Robots</a:t>
+              <a:t>The </a:t>
+            </a:r>
+            <a:r>
+              <a:rPr lang="en-GB" dirty="0" err="1" smtClean="0"/>
+              <a:t>Twiki</a:t>
+            </a:r>
+            <a:r>
+              <a:rPr lang="en-GB" dirty="0" smtClean="0"/>
+              <a:t> Robots</a:t>
             </a:r>
             <a:endParaRPr lang="en-GB" dirty="0"/>
           </a:p>
@@ -3312,6 +3469,45 @@
           <a:bodyPr/>
           <a:lstStyle/>
           <a:p>
+            <a:r>
+              <a:rPr lang="en-GB" dirty="0" smtClean="0"/>
+              <a:t>ARM Cortex M4</a:t>
+            </a:r>
+          </a:p>
+          <a:p>
+            <a:r>
+              <a:rPr lang="en-GB" dirty="0" smtClean="0"/>
+              <a:t>Inertial </a:t>
+            </a:r>
+            <a:r>
+              <a:rPr lang="en-GB" dirty="0" smtClean="0"/>
+              <a:t>Measurement Unit</a:t>
+            </a:r>
+          </a:p>
+          <a:p>
+            <a:pPr lvl="1"/>
+            <a:r>
+              <a:rPr lang="en-GB" dirty="0" smtClean="0"/>
+              <a:t>Position and movement estimation</a:t>
+            </a:r>
+          </a:p>
+          <a:p>
+            <a:r>
+              <a:rPr lang="en-GB" dirty="0" smtClean="0"/>
+              <a:t>Visual and Aural Feedback</a:t>
+            </a:r>
+          </a:p>
+          <a:p>
+            <a:r>
+              <a:rPr lang="en-GB" dirty="0" smtClean="0"/>
+              <a:t>Microphone</a:t>
+            </a:r>
+          </a:p>
+          <a:p>
+            <a:r>
+              <a:rPr lang="en-GB" dirty="0" smtClean="0"/>
+              <a:t>Contact Sensors</a:t>
+            </a:r>
             <a:endParaRPr lang="en-GB" dirty="0"/>
           </a:p>
         </p:txBody>
@@ -3357,10 +3553,10 @@
           <a:lstStyle/>
           <a:p>
             <a:r>
-              <a:rPr lang="en-GB" smtClean="0"/>
-              <a:t>Interdisciplinary Stuff </a:t>
-            </a:r>
-            <a:endParaRPr lang="en-GB"/>
+              <a:rPr lang="en-GB" dirty="0" smtClean="0"/>
+              <a:t>Communications</a:t>
+            </a:r>
+            <a:endParaRPr lang="en-GB" dirty="0"/>
           </a:p>
         </p:txBody>
       </p:sp>
@@ -3379,7 +3575,23 @@
           <a:bodyPr/>
           <a:lstStyle/>
           <a:p>
-            <a:endParaRPr lang="en-GB"/>
+            <a:r>
+              <a:rPr lang="en-GB" dirty="0" smtClean="0"/>
+              <a:t>Wireless Mesh Network</a:t>
+            </a:r>
+          </a:p>
+          <a:p>
+            <a:endParaRPr lang="en-GB" dirty="0" smtClean="0"/>
+          </a:p>
+          <a:p>
+            <a:endParaRPr lang="en-GB" dirty="0" smtClean="0"/>
+          </a:p>
+          <a:p>
+            <a:r>
+              <a:rPr lang="en-GB" dirty="0" smtClean="0"/>
+              <a:t>Infrared Communications</a:t>
+            </a:r>
+            <a:endParaRPr lang="en-GB" dirty="0"/>
           </a:p>
         </p:txBody>
       </p:sp>
@@ -3424,28 +3636,60 @@
           <a:lstStyle/>
           <a:p>
             <a:r>
+              <a:rPr lang="en-GB" smtClean="0"/>
+              <a:t>Interdisciplinary Stuff </a:t>
+            </a:r>
+            <a:endParaRPr lang="en-GB"/>
+          </a:p>
+        </p:txBody>
+      </p:sp>
+      <p:sp>
+        <p:nvSpPr>
+          <p:cNvPr id="3" name="Content Placeholder 2"/>
+          <p:cNvSpPr>
+            <a:spLocks noGrp="1"/>
+          </p:cNvSpPr>
+          <p:nvPr>
+            <p:ph idx="1"/>
+          </p:nvPr>
+        </p:nvSpPr>
+        <p:spPr/>
+        <p:txBody>
+          <a:bodyPr/>
+          <a:lstStyle/>
+          <a:p>
+            <a:r>
               <a:rPr lang="en-GB" dirty="0" smtClean="0"/>
-              <a:t>Ongoing Research</a:t>
-            </a:r>
-            <a:endParaRPr lang="en-GB" dirty="0"/>
-          </a:p>
-        </p:txBody>
-      </p:sp>
-      <p:sp>
-        <p:nvSpPr>
-          <p:cNvPr id="3" name="Content Placeholder 2"/>
-          <p:cNvSpPr>
-            <a:spLocks noGrp="1"/>
-          </p:cNvSpPr>
-          <p:nvPr>
-            <p:ph idx="1"/>
-          </p:nvPr>
-        </p:nvSpPr>
-        <p:spPr/>
-        <p:txBody>
-          <a:bodyPr/>
-          <a:lstStyle/>
-          <a:p>
+              <a:t>Merissa Bradley</a:t>
+            </a:r>
+          </a:p>
+          <a:p>
+            <a:r>
+              <a:rPr dirty="0" smtClean="0"/>
+              <a:t>Andrea </a:t>
+            </a:r>
+            <a:r>
+              <a:rPr dirty="0" smtClean="0"/>
+              <a:t>Zago</a:t>
+            </a:r>
+            <a:endParaRPr lang="ga-IE" dirty="0" smtClean="0"/>
+          </a:p>
+          <a:p>
+            <a:r>
+              <a:rPr lang="ga-IE" dirty="0" smtClean="0"/>
+              <a:t>Fiona Edwards Murphy</a:t>
+            </a:r>
+            <a:r>
+              <a:rPr dirty="0" smtClean="0"/>
+              <a:t/>
+            </a:r>
+            <a:br>
+              <a:rPr dirty="0" smtClean="0"/>
+            </a:br>
+            <a:r>
+              <a:rPr lang="en-GB" dirty="0" smtClean="0"/>
+              <a:t> </a:t>
+            </a:r>
             <a:endParaRPr lang="en-GB" dirty="0"/>
           </a:p>
         </p:txBody>
@@ -3492,7 +3736,7 @@
           <a:p>
             <a:r>
               <a:rPr lang="en-GB" dirty="0" smtClean="0"/>
-              <a:t>Papers</a:t>
+              <a:t>Research</a:t>
             </a:r>
             <a:endParaRPr lang="en-GB" dirty="0"/>
           </a:p>
@@ -3513,7 +3757,30 @@
           <a:bodyPr/>
           <a:lstStyle/>
           <a:p>
-            <a:endParaRPr lang="en-GB"/>
+            <a:r>
+              <a:rPr lang="en-GB" dirty="0" smtClean="0"/>
+              <a:t>Impact in the areas of:</a:t>
+            </a:r>
+          </a:p>
+          <a:p>
+            <a:pPr lvl="1"/>
+            <a:r>
+              <a:rPr dirty="0" smtClean="0"/>
+              <a:t>Occupational Health</a:t>
+            </a:r>
+            <a:r>
+              <a:rPr dirty="0" smtClean="0"/>
+              <a:t> </a:t>
+            </a:r>
+            <a:endParaRPr lang="ga-IE" dirty="0" smtClean="0"/>
+          </a:p>
+          <a:p>
+            <a:pPr lvl="1"/>
+            <a:r>
+              <a:rPr lang="en-GB" dirty="0" smtClean="0"/>
+              <a:t>Early Childhood Studies</a:t>
+            </a:r>
+            <a:endParaRPr lang="en-GB" dirty="0"/>
           </a:p>
         </p:txBody>
       </p:sp>
@@ -3559,7 +3826,7 @@
           <a:p>
             <a:r>
               <a:rPr lang="en-GB" dirty="0" smtClean="0"/>
-              <a:t>Acknowledgements</a:t>
+              <a:t>Ongoing Research</a:t>
             </a:r>
             <a:endParaRPr lang="en-GB" dirty="0"/>
           </a:p>
@@ -3580,10 +3847,117 @@
           <a:bodyPr/>
           <a:lstStyle/>
           <a:p>
+            <a:r>
+              <a:rPr lang="en-GB" dirty="0" smtClean="0"/>
+              <a:t>Summer Intern Students</a:t>
+            </a:r>
+          </a:p>
+          <a:p>
+            <a:r>
+              <a:rPr lang="en-GB" dirty="0" smtClean="0"/>
+              <a:t>Next Year Final Year Students</a:t>
+            </a:r>
             <a:endParaRPr lang="en-GB" dirty="0"/>
           </a:p>
-          <a:p>
+        </p:txBody>
+      </p:sp>
+    </p:spTree>
+  </p:cSld>
+  <p:clrMapOvr>
+    <a:masterClrMapping/>
+  </p:clrMapOvr>
+</p:sld>
+</file>
+
+<file path=ppt/slides/slide9.xml><?xml version="1.0" encoding="utf-8"?>
+<p:sld xmlns:a="http://schemas.openxmlformats.org/drawingml/2006/main" xmlns:r="http://schemas.openxmlformats.org/officeDocument/2006/relationships" xmlns:mc="http://schemas.openxmlformats.org/markup-compatibility/2006" xmlns:mv="urn:schemas-microsoft-com:mac:vml" xmlns:p="http://schemas.openxmlformats.org/presentationml/2006/main" mc:Ignorable="mv" mc:PreserveAttributes="mv:*">
+  <p:cSld>
+    <p:spTree>
+      <p:nvGrpSpPr>
+        <p:cNvPr id="1" name=""/>
+        <p:cNvGrpSpPr/>
+        <p:nvPr/>
+      </p:nvGrpSpPr>
+      <p:grpSpPr>
+        <a:xfrm>
+          <a:off x="0" y="0"/>
+          <a:ext cx="0" cy="0"/>
+          <a:chOff x="0" y="0"/>
+          <a:chExt cx="0" cy="0"/>
+        </a:xfrm>
+      </p:grpSpPr>
+      <p:sp>
+        <p:nvSpPr>
+          <p:cNvPr id="2" name="Title 1"/>
+          <p:cNvSpPr>
+            <a:spLocks noGrp="1"/>
+          </p:cNvSpPr>
+          <p:nvPr>
+            <p:ph type="title"/>
+          </p:nvPr>
+        </p:nvSpPr>
+        <p:spPr/>
+        <p:txBody>
+          <a:bodyPr/>
+          <a:lstStyle/>
+          <a:p>
+            <a:r>
+              <a:rPr lang="en-GB" dirty="0" smtClean="0"/>
+              <a:t>Achievements</a:t>
+            </a:r>
             <a:endParaRPr lang="en-GB" dirty="0"/>
+          </a:p>
+        </p:txBody>
+      </p:sp>
+      <p:sp>
+        <p:nvSpPr>
+          <p:cNvPr id="3" name="Content Placeholder 2"/>
+          <p:cNvSpPr>
+            <a:spLocks noGrp="1"/>
+          </p:cNvSpPr>
+          <p:nvPr>
+            <p:ph idx="1"/>
+          </p:nvPr>
+        </p:nvSpPr>
+        <p:spPr/>
+        <p:txBody>
+          <a:bodyPr/>
+          <a:lstStyle/>
+          <a:p>
+            <a:r>
+              <a:rPr dirty="0" smtClean="0"/>
+              <a:t>Wireless Technologies for a Smarter Planet</a:t>
+            </a:r>
+            <a:r>
+              <a:rPr dirty="0" smtClean="0"/>
+              <a:t> </a:t>
+            </a:r>
+            <a:r>
+              <a:rPr dirty="0" smtClean="0"/>
+              <a:t>Royal Irish </a:t>
+            </a:r>
+            <a:r>
+              <a:rPr dirty="0" smtClean="0"/>
+              <a:t>Academy</a:t>
+            </a:r>
+            <a:endParaRPr lang="ga-IE" dirty="0" smtClean="0"/>
+          </a:p>
+          <a:p>
+            <a:r>
+              <a:rPr lang="ga-IE" dirty="0" smtClean="0"/>
+              <a:t>Won 2nd Place in the IBM IEEE Smarter Planet Competition</a:t>
+            </a:r>
+            <a:r>
+              <a:rPr dirty="0" smtClean="0"/>
+              <a:t> </a:t>
+            </a:r>
+            <a:endParaRPr lang="ga-IE" dirty="0" smtClean="0"/>
+          </a:p>
+          <a:p>
+            <a:r>
+              <a:rPr lang="ga-IE" dirty="0" smtClean="0"/>
+              <a:t>Finalist in the UCC Entreprenuer of the Year Awards</a:t>
+            </a:r>
           </a:p>
         </p:txBody>
       </p:sp>
